--- a/Documentos/Apresentação_Grupo_Peru.pptx
+++ b/Documentos/Apresentação_Grupo_Peru.pptx
@@ -158,7 +158,7 @@
   </p:defaultTextStyle>
   <p:extLst>
     <p:ext uri="{EFAFB233-063F-42B5-8137-9DF3F51BA10A}">
-      <p15:sldGuideLst xmlns:p15="http://schemas.microsoft.com/office/powerpoint/2012/main" xmlns="">
+      <p15:sldGuideLst xmlns:p15="http://schemas.microsoft.com/office/powerpoint/2012/main">
         <p15:guide id="1" orient="horz" pos="2160">
           <p15:clr>
             <a:srgbClr val="A4A3A4"/>
@@ -420,7 +420,7 @@
     </p:spTree>
     <p:extLst>
       <p:ext uri="{BB962C8B-B14F-4D97-AF65-F5344CB8AC3E}">
-        <p14:creationId xmlns="" xmlns:p14="http://schemas.microsoft.com/office/powerpoint/2010/main" val="1066127869"/>
+        <p14:creationId xmlns:p14="http://schemas.microsoft.com/office/powerpoint/2010/main" val="1066127869"/>
       </p:ext>
     </p:extLst>
   </p:cSld>
@@ -519,7 +519,7 @@
               <a:pPr>
                 <a:defRPr/>
               </a:pPr>
-              <a:t>19/12/2016</a:t>
+              <a:t>20/12/2016</a:t>
             </a:fld>
             <a:endParaRPr lang="pt-BR"/>
           </a:p>
@@ -698,7 +698,7 @@
     </p:spTree>
     <p:extLst>
       <p:ext uri="{BB962C8B-B14F-4D97-AF65-F5344CB8AC3E}">
-        <p14:creationId xmlns="" xmlns:p14="http://schemas.microsoft.com/office/powerpoint/2010/main" val="1795023103"/>
+        <p14:creationId xmlns:p14="http://schemas.microsoft.com/office/powerpoint/2010/main" val="1795023103"/>
       </p:ext>
     </p:extLst>
   </p:cSld>
@@ -3908,16 +3908,7 @@
                 </a:solidFill>
                 <a:cs typeface="Times New Roman" pitchFamily="18" charset="0"/>
               </a:rPr>
-              <a:t>Cenário Geral de </a:t>
-            </a:r>
-            <a:r>
-              <a:rPr lang="pt-BR" sz="2400" dirty="0" smtClean="0">
-                <a:solidFill>
-                  <a:srgbClr val="333399"/>
-                </a:solidFill>
-                <a:cs typeface="Times New Roman" pitchFamily="18" charset="0"/>
-              </a:rPr>
-              <a:t>Desenvolvimento:</a:t>
+              <a:t>Cenário Geral de Desenvolvimento:</a:t>
             </a:r>
             <a:endParaRPr lang="pt-BR" dirty="0" smtClean="0">
               <a:solidFill>
@@ -4417,12 +4408,6 @@
               </a:rPr>
               <a:t>Alguns ajustes tiveram que ser realizados pela necessidade de tornar o projeto viável e adequado para o seu objetivo. Alguns cenários que sofreram mudanças foram: cadastro, alteração e aprovação de anúncios.</a:t>
             </a:r>
-            <a:endParaRPr lang="pt-BR" sz="1800" dirty="0" smtClean="0">
-              <a:solidFill>
-                <a:srgbClr val="333399"/>
-              </a:solidFill>
-              <a:cs typeface="Times New Roman" pitchFamily="18" charset="0"/>
-            </a:endParaRPr>
           </a:p>
           <a:p>
             <a:pPr marL="800100" lvl="1" indent="-342900">
@@ -4614,7 +4599,16 @@
               </a:rPr>
               <a:t>. Com isso, podemos concluir:</a:t>
             </a:r>
-            <a:endParaRPr lang="pt-BR" dirty="0" smtClean="0">
+          </a:p>
+          <a:p>
+            <a:pPr marL="342900" indent="-342900">
+              <a:spcBef>
+                <a:spcPct val="0"/>
+              </a:spcBef>
+              <a:buFont typeface="Wingdings" pitchFamily="2" charset="2"/>
+              <a:buChar char="Ø"/>
+            </a:pPr>
+            <a:endParaRPr lang="pt-BR" dirty="0">
               <a:solidFill>
                 <a:srgbClr val="333399"/>
               </a:solidFill>
@@ -4622,14 +4616,23 @@
             </a:endParaRPr>
           </a:p>
           <a:p>
-            <a:pPr marL="342900" indent="-342900">
-              <a:spcBef>
-                <a:spcPct val="0"/>
-              </a:spcBef>
-              <a:buFont typeface="Wingdings" pitchFamily="2" charset="2"/>
-              <a:buChar char="Ø"/>
-            </a:pPr>
-            <a:endParaRPr lang="pt-BR" dirty="0">
+            <a:pPr marL="800100" lvl="1" indent="-342900">
+              <a:spcBef>
+                <a:spcPct val="0"/>
+              </a:spcBef>
+              <a:buFont typeface="Wingdings" pitchFamily="2" charset="2"/>
+              <a:buChar char="Ø"/>
+            </a:pPr>
+            <a:r>
+              <a:rPr lang="pt-BR" sz="1800" dirty="0" smtClean="0">
+                <a:solidFill>
+                  <a:srgbClr val="333399"/>
+                </a:solidFill>
+                <a:cs typeface="Times New Roman" pitchFamily="18" charset="0"/>
+              </a:rPr>
+              <a:t>Relevância: foram fundamentais primeiro para o entendimento (visualização) macro do projeto e depois para a organização do projeto de baixo nível e da codificação.</a:t>
+            </a:r>
+            <a:endParaRPr lang="pt-BR" sz="1800" dirty="0">
               <a:solidFill>
                 <a:srgbClr val="333399"/>
               </a:solidFill>
@@ -4644,6 +4647,21 @@
               <a:buFont typeface="Wingdings" pitchFamily="2" charset="2"/>
               <a:buChar char="Ø"/>
             </a:pPr>
+            <a:endParaRPr lang="pt-BR" sz="1800" dirty="0">
+              <a:solidFill>
+                <a:srgbClr val="333399"/>
+              </a:solidFill>
+              <a:cs typeface="Times New Roman" pitchFamily="18" charset="0"/>
+            </a:endParaRPr>
+          </a:p>
+          <a:p>
+            <a:pPr marL="800100" lvl="1" indent="-342900">
+              <a:spcBef>
+                <a:spcPct val="0"/>
+              </a:spcBef>
+              <a:buFont typeface="Wingdings" pitchFamily="2" charset="2"/>
+              <a:buChar char="Ø"/>
+            </a:pPr>
             <a:r>
               <a:rPr lang="pt-BR" sz="1800" dirty="0" smtClean="0">
                 <a:solidFill>
@@ -4651,8 +4669,50 @@
                 </a:solidFill>
                 <a:cs typeface="Times New Roman" pitchFamily="18" charset="0"/>
               </a:rPr>
-              <a:t>Relevância: foram fundamentais primeiro para o entendimento (visualização) macro do projeto e depois para a organização do projeto de baixo nível e da codificação.</a:t>
-            </a:r>
+              <a:t>Correções/evoluções: os modelos tiveram que sofrer algumas adaptações em virtude do descobrimento de novos caminhos durante a codificação e da simplificação que pode ser feita a partir disso.</a:t>
+            </a:r>
+          </a:p>
+          <a:p>
+            <a:pPr marL="800100" lvl="1" indent="-342900">
+              <a:spcBef>
+                <a:spcPct val="0"/>
+              </a:spcBef>
+              <a:buFont typeface="Wingdings" pitchFamily="2" charset="2"/>
+              <a:buChar char="Ø"/>
+            </a:pPr>
+            <a:endParaRPr lang="pt-BR" sz="1800" dirty="0" smtClean="0">
+              <a:solidFill>
+                <a:srgbClr val="333399"/>
+              </a:solidFill>
+              <a:cs typeface="Times New Roman" pitchFamily="18" charset="0"/>
+            </a:endParaRPr>
+          </a:p>
+          <a:p>
+            <a:pPr marL="800100" lvl="1" indent="-342900">
+              <a:spcBef>
+                <a:spcPct val="0"/>
+              </a:spcBef>
+              <a:buFont typeface="Wingdings" pitchFamily="2" charset="2"/>
+              <a:buChar char="Ø"/>
+            </a:pPr>
+            <a:r>
+              <a:rPr lang="pt-BR" sz="1800" dirty="0" smtClean="0">
+                <a:solidFill>
+                  <a:srgbClr val="333399"/>
+                </a:solidFill>
+                <a:cs typeface="Times New Roman" pitchFamily="18" charset="0"/>
+              </a:rPr>
+              <a:t>Para a criação dos modelos foi utilizada a linguagem de modelagem UML para a representação das classes, atores, atributos e métodos.</a:t>
+            </a:r>
+          </a:p>
+          <a:p>
+            <a:pPr marL="800100" lvl="1" indent="-342900">
+              <a:spcBef>
+                <a:spcPct val="0"/>
+              </a:spcBef>
+              <a:buFont typeface="Wingdings" pitchFamily="2" charset="2"/>
+              <a:buChar char="Ø"/>
+            </a:pPr>
             <a:endParaRPr lang="pt-BR" sz="1800" dirty="0">
               <a:solidFill>
                 <a:srgbClr val="333399"/>
@@ -4668,21 +4728,6 @@
               <a:buFont typeface="Wingdings" pitchFamily="2" charset="2"/>
               <a:buChar char="Ø"/>
             </a:pPr>
-            <a:endParaRPr lang="pt-BR" sz="1800" dirty="0">
-              <a:solidFill>
-                <a:srgbClr val="333399"/>
-              </a:solidFill>
-              <a:cs typeface="Times New Roman" pitchFamily="18" charset="0"/>
-            </a:endParaRPr>
-          </a:p>
-          <a:p>
-            <a:pPr marL="800100" lvl="1" indent="-342900">
-              <a:spcBef>
-                <a:spcPct val="0"/>
-              </a:spcBef>
-              <a:buFont typeface="Wingdings" pitchFamily="2" charset="2"/>
-              <a:buChar char="Ø"/>
-            </a:pPr>
             <a:r>
               <a:rPr lang="pt-BR" sz="1800" dirty="0" smtClean="0">
                 <a:solidFill>
@@ -4690,97 +4735,7 @@
                 </a:solidFill>
                 <a:cs typeface="Times New Roman" pitchFamily="18" charset="0"/>
               </a:rPr>
-              <a:t>Correções/evoluções: os modelos tiveram que sofrer algumas adaptações em virtude do descobrimento de novos caminhos durante a codificação e da simplificação que pode ser feita a partir disso.</a:t>
-            </a:r>
-          </a:p>
-          <a:p>
-            <a:pPr marL="800100" lvl="1" indent="-342900">
-              <a:spcBef>
-                <a:spcPct val="0"/>
-              </a:spcBef>
-              <a:buFont typeface="Wingdings" pitchFamily="2" charset="2"/>
-              <a:buChar char="Ø"/>
-            </a:pPr>
-            <a:endParaRPr lang="pt-BR" sz="1800" dirty="0" smtClean="0">
-              <a:solidFill>
-                <a:srgbClr val="333399"/>
-              </a:solidFill>
-              <a:cs typeface="Times New Roman" pitchFamily="18" charset="0"/>
-            </a:endParaRPr>
-          </a:p>
-          <a:p>
-            <a:pPr marL="800100" lvl="1" indent="-342900">
-              <a:spcBef>
-                <a:spcPct val="0"/>
-              </a:spcBef>
-              <a:buFont typeface="Wingdings" pitchFamily="2" charset="2"/>
-              <a:buChar char="Ø"/>
-            </a:pPr>
-            <a:r>
-              <a:rPr lang="pt-BR" sz="1800" dirty="0" smtClean="0">
-                <a:solidFill>
-                  <a:srgbClr val="333399"/>
-                </a:solidFill>
-                <a:cs typeface="Times New Roman" pitchFamily="18" charset="0"/>
-              </a:rPr>
-              <a:t>Para a criação dos modelos foi utilizad</a:t>
-            </a:r>
-            <a:r>
-              <a:rPr lang="pt-BR" sz="1800" dirty="0" smtClean="0">
-                <a:solidFill>
-                  <a:srgbClr val="333399"/>
-                </a:solidFill>
-                <a:cs typeface="Times New Roman" pitchFamily="18" charset="0"/>
-              </a:rPr>
-              <a:t>a a linguagem de modelagem UML para a representação das classes, atores, atributos e métodos.</a:t>
-            </a:r>
-            <a:endParaRPr lang="pt-BR" sz="1800" dirty="0" smtClean="0">
-              <a:solidFill>
-                <a:srgbClr val="333399"/>
-              </a:solidFill>
-              <a:cs typeface="Times New Roman" pitchFamily="18" charset="0"/>
-            </a:endParaRPr>
-          </a:p>
-          <a:p>
-            <a:pPr marL="800100" lvl="1" indent="-342900">
-              <a:spcBef>
-                <a:spcPct val="0"/>
-              </a:spcBef>
-              <a:buFont typeface="Wingdings" pitchFamily="2" charset="2"/>
-              <a:buChar char="Ø"/>
-            </a:pPr>
-            <a:endParaRPr lang="pt-BR" sz="1800" dirty="0">
-              <a:solidFill>
-                <a:srgbClr val="333399"/>
-              </a:solidFill>
-              <a:cs typeface="Times New Roman" pitchFamily="18" charset="0"/>
-            </a:endParaRPr>
-          </a:p>
-          <a:p>
-            <a:pPr marL="800100" lvl="1" indent="-342900">
-              <a:spcBef>
-                <a:spcPct val="0"/>
-              </a:spcBef>
-              <a:buFont typeface="Wingdings" pitchFamily="2" charset="2"/>
-              <a:buChar char="Ø"/>
-            </a:pPr>
-            <a:r>
-              <a:rPr lang="pt-BR" sz="1800" dirty="0" smtClean="0">
-                <a:solidFill>
-                  <a:srgbClr val="333399"/>
-                </a:solidFill>
-                <a:cs typeface="Times New Roman" pitchFamily="18" charset="0"/>
-              </a:rPr>
-              <a:t>Em relação aos aspectos estáticos do diagrama </a:t>
-            </a:r>
-            <a:r>
-              <a:rPr lang="pt-BR" sz="1800" dirty="0" smtClean="0">
-                <a:solidFill>
-                  <a:srgbClr val="333399"/>
-                </a:solidFill>
-                <a:cs typeface="Times New Roman" pitchFamily="18" charset="0"/>
-              </a:rPr>
-              <a:t>de classes, o grupo definiu em conjunto quais seriam as classes, os métodos e os atributos. O mesmo foi feito para os aspectos dinâmicos do diagrama de </a:t>
+              <a:t>Em relação aos aspectos estáticos do diagrama de classes, o grupo definiu em conjunto quais seriam as classes, os métodos e os atributos. O mesmo foi feito para os aspectos dinâmicos do diagrama de </a:t>
             </a:r>
             <a:r>
               <a:rPr lang="pt-BR" sz="1800" dirty="0" err="1" smtClean="0">
@@ -4904,108 +4859,249 @@
               <a:buFont typeface="Wingdings" pitchFamily="2" charset="2"/>
               <a:buChar char="Ø"/>
             </a:pPr>
-            <a:r>
-              <a:rPr lang="pt-BR" dirty="0">
+            <a:endParaRPr lang="pt-BR" dirty="0">
+              <a:solidFill>
+                <a:srgbClr val="333399"/>
+              </a:solidFill>
+              <a:cs typeface="Times New Roman" pitchFamily="18" charset="0"/>
+            </a:endParaRPr>
+          </a:p>
+          <a:p>
+            <a:pPr marL="800100" lvl="1" indent="-342900" algn="just">
+              <a:spcBef>
+                <a:spcPct val="0"/>
+              </a:spcBef>
+              <a:buFont typeface="Wingdings" pitchFamily="2" charset="2"/>
+              <a:buChar char="Ø"/>
+            </a:pPr>
+            <a:endParaRPr lang="pt-BR" sz="1800" dirty="0" smtClean="0">
+              <a:solidFill>
+                <a:srgbClr val="333399"/>
+              </a:solidFill>
+              <a:cs typeface="Times New Roman" pitchFamily="18" charset="0"/>
+            </a:endParaRPr>
+          </a:p>
+          <a:p>
+            <a:pPr marL="800100" lvl="1" indent="-342900" algn="just">
+              <a:spcBef>
+                <a:spcPct val="0"/>
+              </a:spcBef>
+              <a:buFont typeface="Wingdings" pitchFamily="2" charset="2"/>
+              <a:buChar char="Ø"/>
+            </a:pPr>
+            <a:endParaRPr lang="pt-BR" sz="1800" dirty="0">
+              <a:solidFill>
+                <a:srgbClr val="333399"/>
+              </a:solidFill>
+              <a:cs typeface="Times New Roman" pitchFamily="18" charset="0"/>
+            </a:endParaRPr>
+          </a:p>
+          <a:p>
+            <a:pPr marL="800100" lvl="1" indent="-342900" algn="just">
+              <a:spcBef>
+                <a:spcPct val="0"/>
+              </a:spcBef>
+              <a:buFont typeface="Wingdings" pitchFamily="2" charset="2"/>
+              <a:buChar char="Ø"/>
+            </a:pPr>
+            <a:endParaRPr lang="pt-BR" sz="1800" dirty="0" smtClean="0">
+              <a:solidFill>
+                <a:srgbClr val="333399"/>
+              </a:solidFill>
+              <a:cs typeface="Times New Roman" pitchFamily="18" charset="0"/>
+            </a:endParaRPr>
+          </a:p>
+          <a:p>
+            <a:pPr marL="800100" lvl="1" indent="-342900" algn="just">
+              <a:spcBef>
+                <a:spcPct val="0"/>
+              </a:spcBef>
+              <a:buFont typeface="Wingdings" pitchFamily="2" charset="2"/>
+              <a:buChar char="Ø"/>
+            </a:pPr>
+            <a:endParaRPr lang="pt-BR" sz="1800" dirty="0">
+              <a:solidFill>
+                <a:srgbClr val="333399"/>
+              </a:solidFill>
+              <a:cs typeface="Times New Roman" pitchFamily="18" charset="0"/>
+            </a:endParaRPr>
+          </a:p>
+          <a:p>
+            <a:pPr marL="800100" lvl="1" indent="-342900" algn="just">
+              <a:spcBef>
+                <a:spcPct val="0"/>
+              </a:spcBef>
+              <a:buFont typeface="Wingdings" pitchFamily="2" charset="2"/>
+              <a:buChar char="Ø"/>
+            </a:pPr>
+            <a:endParaRPr lang="pt-BR" sz="1800" dirty="0" smtClean="0">
+              <a:solidFill>
+                <a:srgbClr val="333399"/>
+              </a:solidFill>
+              <a:cs typeface="Times New Roman" pitchFamily="18" charset="0"/>
+            </a:endParaRPr>
+          </a:p>
+          <a:p>
+            <a:pPr marL="800100" lvl="1" indent="-342900" algn="just">
+              <a:spcBef>
+                <a:spcPct val="0"/>
+              </a:spcBef>
+              <a:buFont typeface="Wingdings" pitchFamily="2" charset="2"/>
+              <a:buChar char="Ø"/>
+            </a:pPr>
+            <a:endParaRPr lang="pt-BR" sz="1800" dirty="0" smtClean="0">
+              <a:solidFill>
+                <a:srgbClr val="333399"/>
+              </a:solidFill>
+              <a:cs typeface="Times New Roman" pitchFamily="18" charset="0"/>
+            </a:endParaRPr>
+          </a:p>
+          <a:p>
+            <a:pPr marL="800100" lvl="1" indent="-342900" algn="just">
+              <a:spcBef>
+                <a:spcPct val="0"/>
+              </a:spcBef>
+              <a:buFont typeface="Wingdings" pitchFamily="2" charset="2"/>
+              <a:buChar char="Ø"/>
+            </a:pPr>
+            <a:endParaRPr lang="pt-BR" sz="1800" dirty="0">
+              <a:solidFill>
+                <a:srgbClr val="333399"/>
+              </a:solidFill>
+              <a:cs typeface="Times New Roman" pitchFamily="18" charset="0"/>
+            </a:endParaRPr>
+          </a:p>
+          <a:p>
+            <a:pPr marL="800100" lvl="1" indent="-342900" algn="just">
+              <a:spcBef>
+                <a:spcPct val="0"/>
+              </a:spcBef>
+              <a:buFont typeface="Wingdings" pitchFamily="2" charset="2"/>
+              <a:buChar char="Ø"/>
+            </a:pPr>
+            <a:endParaRPr lang="pt-BR" sz="1800" dirty="0" smtClean="0">
+              <a:solidFill>
+                <a:srgbClr val="333399"/>
+              </a:solidFill>
+              <a:cs typeface="Times New Roman" pitchFamily="18" charset="0"/>
+            </a:endParaRPr>
+          </a:p>
+          <a:p>
+            <a:pPr marL="800100" lvl="1" indent="-342900" algn="just">
+              <a:spcBef>
+                <a:spcPct val="0"/>
+              </a:spcBef>
+              <a:buFont typeface="Wingdings" pitchFamily="2" charset="2"/>
+              <a:buChar char="Ø"/>
+            </a:pPr>
+            <a:endParaRPr lang="pt-BR" sz="1800" dirty="0">
+              <a:solidFill>
+                <a:srgbClr val="333399"/>
+              </a:solidFill>
+              <a:cs typeface="Times New Roman" pitchFamily="18" charset="0"/>
+            </a:endParaRPr>
+          </a:p>
+          <a:p>
+            <a:pPr marL="800100" lvl="1" indent="-342900" algn="just">
+              <a:spcBef>
+                <a:spcPct val="0"/>
+              </a:spcBef>
+              <a:buFont typeface="Wingdings" pitchFamily="2" charset="2"/>
+              <a:buChar char="Ø"/>
+            </a:pPr>
+            <a:r>
+              <a:rPr lang="pt-BR" sz="1800" dirty="0" smtClean="0">
                 <a:solidFill>
                   <a:srgbClr val="333399"/>
                 </a:solidFill>
                 <a:cs typeface="Times New Roman" pitchFamily="18" charset="0"/>
               </a:rPr>
-              <a:t>Apresentar aqui </a:t>
-            </a:r>
-            <a:r>
-              <a:rPr lang="pt-BR" dirty="0" smtClean="0">
+              <a:t>Para a construção do software a equipe optou por usar a linguagem </a:t>
+            </a:r>
+            <a:r>
+              <a:rPr lang="pt-BR" sz="1800" dirty="0" err="1" smtClean="0">
                 <a:solidFill>
                   <a:srgbClr val="333399"/>
                 </a:solidFill>
                 <a:cs typeface="Times New Roman" pitchFamily="18" charset="0"/>
               </a:rPr>
-              <a:t>exemplo do código gerado, um exemplo de teste planejado e os resultados dos testes realizados, caso </a:t>
-            </a:r>
-            <a:r>
-              <a:rPr lang="pt-BR" dirty="0">
+              <a:t>python</a:t>
+            </a:r>
+            <a:r>
+              <a:rPr lang="pt-BR" sz="1800" dirty="0" smtClean="0">
                 <a:solidFill>
                   <a:srgbClr val="333399"/>
                 </a:solidFill>
                 <a:cs typeface="Times New Roman" pitchFamily="18" charset="0"/>
               </a:rPr>
-              <a:t>eles </a:t>
-            </a:r>
-            <a:r>
-              <a:rPr lang="pt-BR" dirty="0" smtClean="0">
+              <a:t> em conjunto com o framework </a:t>
+            </a:r>
+            <a:r>
+              <a:rPr lang="pt-BR" sz="1800" dirty="0" err="1" smtClean="0">
                 <a:solidFill>
                   <a:srgbClr val="333399"/>
                 </a:solidFill>
                 <a:cs typeface="Times New Roman" pitchFamily="18" charset="0"/>
               </a:rPr>
-              <a:t>tenham ocorrido. Adicionalmente </a:t>
-            </a:r>
-            <a:r>
-              <a:rPr lang="pt-BR" dirty="0">
+              <a:t>django</a:t>
+            </a:r>
+            <a:r>
+              <a:rPr lang="pt-BR" sz="1800" dirty="0" smtClean="0">
                 <a:solidFill>
                   <a:srgbClr val="333399"/>
                 </a:solidFill>
                 <a:cs typeface="Times New Roman" pitchFamily="18" charset="0"/>
               </a:rPr>
-              <a:t>à apresentação </a:t>
-            </a:r>
-            <a:r>
-              <a:rPr lang="pt-BR" dirty="0" smtClean="0">
+              <a:t> para criar aplicação web. Escolhemos esta linguagem pois, dentro das opções apresentadas, era a que pareceu de mais fácil implementação à princípio. </a:t>
+            </a:r>
+            <a:endParaRPr lang="pt-BR" sz="1800" dirty="0">
+              <a:solidFill>
+                <a:srgbClr val="333399"/>
+              </a:solidFill>
+              <a:cs typeface="Times New Roman" pitchFamily="18" charset="0"/>
+            </a:endParaRPr>
+          </a:p>
+          <a:p>
+            <a:pPr marL="800100" lvl="1" indent="-342900" algn="just">
+              <a:spcBef>
+                <a:spcPct val="0"/>
+              </a:spcBef>
+              <a:buFont typeface="Wingdings" pitchFamily="2" charset="2"/>
+              <a:buChar char="Ø"/>
+            </a:pPr>
+            <a:endParaRPr lang="pt-BR" sz="1800" dirty="0">
+              <a:solidFill>
+                <a:srgbClr val="333399"/>
+              </a:solidFill>
+              <a:cs typeface="Times New Roman" pitchFamily="18" charset="0"/>
+            </a:endParaRPr>
+          </a:p>
+          <a:p>
+            <a:pPr marL="800100" lvl="1" indent="-342900" algn="just">
+              <a:spcBef>
+                <a:spcPct val="0"/>
+              </a:spcBef>
+              <a:buFont typeface="Wingdings" pitchFamily="2" charset="2"/>
+              <a:buChar char="Ø"/>
+            </a:pPr>
+            <a:r>
+              <a:rPr lang="pt-BR" sz="1800" dirty="0" smtClean="0">
                 <a:solidFill>
                   <a:srgbClr val="333399"/>
                 </a:solidFill>
                 <a:cs typeface="Times New Roman" pitchFamily="18" charset="0"/>
               </a:rPr>
-              <a:t>dos exemplos, </a:t>
-            </a:r>
-            <a:r>
-              <a:rPr lang="pt-BR" dirty="0">
+              <a:t>Os testes foram feitos em </a:t>
+            </a:r>
+            <a:r>
+              <a:rPr lang="pt-BR" sz="1800" dirty="0" err="1" smtClean="0">
                 <a:solidFill>
                   <a:srgbClr val="333399"/>
                 </a:solidFill>
                 <a:cs typeface="Times New Roman" pitchFamily="18" charset="0"/>
               </a:rPr>
-              <a:t>devem ser respondidas as seguintes questões:</a:t>
-            </a:r>
-          </a:p>
-          <a:p>
-            <a:pPr marL="342900" indent="-342900" algn="just">
-              <a:spcBef>
-                <a:spcPct val="0"/>
-              </a:spcBef>
-              <a:buFont typeface="Wingdings" pitchFamily="2" charset="2"/>
-              <a:buChar char="Ø"/>
-            </a:pPr>
-            <a:endParaRPr lang="pt-BR" dirty="0">
-              <a:solidFill>
-                <a:srgbClr val="333399"/>
-              </a:solidFill>
-              <a:cs typeface="Times New Roman" pitchFamily="18" charset="0"/>
-            </a:endParaRPr>
-          </a:p>
-          <a:p>
-            <a:pPr marL="800100" lvl="1" indent="-342900" algn="just">
-              <a:spcBef>
-                <a:spcPct val="0"/>
-              </a:spcBef>
-              <a:buFont typeface="Wingdings" pitchFamily="2" charset="2"/>
-              <a:buChar char="Ø"/>
-            </a:pPr>
-            <a:endParaRPr lang="pt-BR" sz="1800" dirty="0" smtClean="0">
-              <a:solidFill>
-                <a:srgbClr val="333399"/>
-              </a:solidFill>
-              <a:cs typeface="Times New Roman" pitchFamily="18" charset="0"/>
-            </a:endParaRPr>
-          </a:p>
-          <a:p>
-            <a:pPr marL="800100" lvl="1" indent="-342900" algn="just">
-              <a:spcBef>
-                <a:spcPct val="0"/>
-              </a:spcBef>
-              <a:buFont typeface="Wingdings" pitchFamily="2" charset="2"/>
-              <a:buChar char="Ø"/>
-            </a:pPr>
+              <a:t>django</a:t>
+            </a:r>
             <a:r>
               <a:rPr lang="pt-BR" sz="1800" dirty="0" smtClean="0">
                 <a:solidFill>
@@ -5013,32 +5109,26 @@
                 </a:solidFill>
                 <a:cs typeface="Times New Roman" pitchFamily="18" charset="0"/>
               </a:rPr>
-              <a:t>Que plataformas de desenvolvimento foram utilizadas para a construção do software? Por que a equipe escolheu esta configuração? </a:t>
-            </a:r>
-          </a:p>
-          <a:p>
-            <a:pPr marL="800100" lvl="1" indent="-342900" algn="just">
-              <a:spcBef>
-                <a:spcPct val="0"/>
-              </a:spcBef>
-              <a:buFont typeface="Wingdings" pitchFamily="2" charset="2"/>
-              <a:buChar char="Ø"/>
-            </a:pPr>
-            <a:endParaRPr lang="pt-BR" sz="1800" dirty="0">
-              <a:solidFill>
-                <a:srgbClr val="333399"/>
-              </a:solidFill>
-              <a:cs typeface="Times New Roman" pitchFamily="18" charset="0"/>
-            </a:endParaRPr>
-          </a:p>
-          <a:p>
-            <a:pPr marL="800100" lvl="1" indent="-342900" algn="just">
-              <a:spcBef>
-                <a:spcPct val="0"/>
-              </a:spcBef>
-              <a:buFont typeface="Wingdings" pitchFamily="2" charset="2"/>
-              <a:buChar char="Ø"/>
-            </a:pPr>
+              <a:t> (unitários) e pelo </a:t>
+            </a:r>
+            <a:r>
+              <a:rPr lang="pt-BR" sz="1800" dirty="0" err="1" smtClean="0">
+                <a:solidFill>
+                  <a:srgbClr val="333399"/>
+                </a:solidFill>
+                <a:cs typeface="Times New Roman" pitchFamily="18" charset="0"/>
+              </a:rPr>
+              <a:t>sellenium</a:t>
+            </a:r>
+            <a:r>
+              <a:rPr lang="pt-BR" sz="1800" dirty="0">
+                <a:solidFill>
+                  <a:srgbClr val="333399"/>
+                </a:solidFill>
+                <a:cs typeface="Times New Roman" pitchFamily="18" charset="0"/>
+              </a:rPr>
+              <a:t> </a:t>
+            </a:r>
             <a:r>
               <a:rPr lang="pt-BR" sz="1800" dirty="0" smtClean="0">
                 <a:solidFill>
@@ -5046,137 +5136,8 @@
                 </a:solidFill>
                 <a:cs typeface="Times New Roman" pitchFamily="18" charset="0"/>
               </a:rPr>
-              <a:t>Qual </a:t>
-            </a:r>
-            <a:r>
-              <a:rPr lang="pt-BR" sz="1800" dirty="0">
-                <a:solidFill>
-                  <a:srgbClr val="333399"/>
-                </a:solidFill>
-                <a:cs typeface="Times New Roman" pitchFamily="18" charset="0"/>
-              </a:rPr>
-              <a:t>a relevância </a:t>
-            </a:r>
-            <a:r>
-              <a:rPr lang="pt-BR" sz="1800" dirty="0" smtClean="0">
-                <a:solidFill>
-                  <a:srgbClr val="333399"/>
-                </a:solidFill>
-                <a:cs typeface="Times New Roman" pitchFamily="18" charset="0"/>
-              </a:rPr>
-              <a:t>dos testes, </a:t>
-            </a:r>
-            <a:r>
-              <a:rPr lang="pt-BR" sz="1800" dirty="0">
-                <a:solidFill>
-                  <a:srgbClr val="333399"/>
-                </a:solidFill>
-                <a:cs typeface="Times New Roman" pitchFamily="18" charset="0"/>
-              </a:rPr>
-              <a:t>percebida pela equipe, no contexto do desenvolvimento proposto?</a:t>
-            </a:r>
-          </a:p>
-          <a:p>
-            <a:pPr marL="800100" lvl="1" indent="-342900" algn="just">
-              <a:spcBef>
-                <a:spcPct val="0"/>
-              </a:spcBef>
-              <a:buFont typeface="Wingdings" pitchFamily="2" charset="2"/>
-              <a:buChar char="Ø"/>
-            </a:pPr>
-            <a:endParaRPr lang="pt-BR" sz="1800" dirty="0">
-              <a:solidFill>
-                <a:srgbClr val="333399"/>
-              </a:solidFill>
-              <a:cs typeface="Times New Roman" pitchFamily="18" charset="0"/>
-            </a:endParaRPr>
-          </a:p>
-          <a:p>
-            <a:pPr marL="800100" lvl="1" indent="-342900" algn="just">
-              <a:spcBef>
-                <a:spcPct val="0"/>
-              </a:spcBef>
-              <a:buFont typeface="Wingdings" pitchFamily="2" charset="2"/>
-              <a:buChar char="Ø"/>
-            </a:pPr>
-            <a:r>
-              <a:rPr lang="pt-BR" sz="1800" dirty="0" smtClean="0">
-                <a:solidFill>
-                  <a:srgbClr val="333399"/>
-                </a:solidFill>
-                <a:cs typeface="Times New Roman" pitchFamily="18" charset="0"/>
-              </a:rPr>
-              <a:t>Que estratégia foi utilizada </a:t>
-            </a:r>
-            <a:r>
-              <a:rPr lang="pt-BR" sz="1800" dirty="0">
-                <a:solidFill>
-                  <a:srgbClr val="333399"/>
-                </a:solidFill>
-                <a:cs typeface="Times New Roman" pitchFamily="18" charset="0"/>
-              </a:rPr>
-              <a:t>para </a:t>
-            </a:r>
-            <a:r>
-              <a:rPr lang="pt-BR" sz="1800" dirty="0" smtClean="0">
-                <a:solidFill>
-                  <a:srgbClr val="333399"/>
-                </a:solidFill>
-                <a:cs typeface="Times New Roman" pitchFamily="18" charset="0"/>
-              </a:rPr>
-              <a:t>o planejamento e execução dos testes?</a:t>
-            </a:r>
-          </a:p>
-          <a:p>
-            <a:pPr marL="800100" lvl="1" indent="-342900" algn="just">
-              <a:spcBef>
-                <a:spcPct val="0"/>
-              </a:spcBef>
-              <a:buFont typeface="Wingdings" pitchFamily="2" charset="2"/>
-              <a:buChar char="Ø"/>
-            </a:pPr>
-            <a:endParaRPr lang="pt-BR" sz="1800" dirty="0">
-              <a:solidFill>
-                <a:srgbClr val="333399"/>
-              </a:solidFill>
-              <a:cs typeface="Times New Roman" pitchFamily="18" charset="0"/>
-            </a:endParaRPr>
-          </a:p>
-          <a:p>
-            <a:pPr marL="800100" lvl="1" indent="-342900" algn="just">
-              <a:spcBef>
-                <a:spcPct val="0"/>
-              </a:spcBef>
-              <a:buFont typeface="Wingdings" pitchFamily="2" charset="2"/>
-              <a:buChar char="Ø"/>
-            </a:pPr>
-            <a:r>
-              <a:rPr lang="pt-BR" sz="1800" dirty="0" smtClean="0">
-                <a:solidFill>
-                  <a:srgbClr val="333399"/>
-                </a:solidFill>
-                <a:cs typeface="Times New Roman" pitchFamily="18" charset="0"/>
-              </a:rPr>
-              <a:t>Alguma ferramenta de testes </a:t>
-            </a:r>
-            <a:r>
-              <a:rPr lang="pt-BR" sz="1800" dirty="0">
-                <a:solidFill>
-                  <a:srgbClr val="333399"/>
-                </a:solidFill>
-                <a:cs typeface="Times New Roman" pitchFamily="18" charset="0"/>
-              </a:rPr>
-              <a:t>foi utilizada ?</a:t>
-            </a:r>
-          </a:p>
-          <a:p>
-            <a:pPr marL="800100" lvl="1" indent="-342900" algn="just">
-              <a:spcBef>
-                <a:spcPct val="0"/>
-              </a:spcBef>
-              <a:buFont typeface="Wingdings" pitchFamily="2" charset="2"/>
-              <a:buChar char="Ø"/>
-            </a:pPr>
+              <a:t>(funcionais), e o planejamento dos testes se deu pela priorização de funções chave do software. Tais testes são importantes para validar as funcionalidades e cobrir os requisitos</a:t>
+            </a:r>
             <a:endParaRPr lang="pt-BR" sz="1800" dirty="0">
               <a:solidFill>
                 <a:srgbClr val="333399"/>
@@ -5201,10 +5162,58 @@
           </a:p>
         </p:txBody>
       </p:sp>
+      <p:pic>
+        <p:nvPicPr>
+          <p:cNvPr id="2" name="Imagem 1"/>
+          <p:cNvPicPr>
+            <a:picLocks noChangeAspect="1"/>
+          </p:cNvPicPr>
+          <p:nvPr/>
+        </p:nvPicPr>
+        <p:blipFill>
+          <a:blip r:embed="rId2"/>
+          <a:stretch>
+            <a:fillRect/>
+          </a:stretch>
+        </p:blipFill>
+        <p:spPr>
+          <a:xfrm>
+            <a:off x="4444697" y="958515"/>
+            <a:ext cx="4086375" cy="2499742"/>
+          </a:xfrm>
+          <a:prstGeom prst="rect">
+            <a:avLst/>
+          </a:prstGeom>
+        </p:spPr>
+      </p:pic>
+      <p:pic>
+        <p:nvPicPr>
+          <p:cNvPr id="3" name="Imagem 2"/>
+          <p:cNvPicPr>
+            <a:picLocks noChangeAspect="1"/>
+          </p:cNvPicPr>
+          <p:nvPr/>
+        </p:nvPicPr>
+        <p:blipFill>
+          <a:blip r:embed="rId3"/>
+          <a:stretch>
+            <a:fillRect/>
+          </a:stretch>
+        </p:blipFill>
+        <p:spPr>
+          <a:xfrm>
+            <a:off x="1547664" y="812500"/>
+            <a:ext cx="2412743" cy="2791772"/>
+          </a:xfrm>
+          <a:prstGeom prst="rect">
+            <a:avLst/>
+          </a:prstGeom>
+        </p:spPr>
+      </p:pic>
     </p:spTree>
     <p:extLst>
       <p:ext uri="{BB962C8B-B14F-4D97-AF65-F5344CB8AC3E}">
-        <p14:creationId xmlns="" xmlns:p14="http://schemas.microsoft.com/office/powerpoint/2010/main" val="2499482205"/>
+        <p14:creationId xmlns:p14="http://schemas.microsoft.com/office/powerpoint/2010/main" val="2499482205"/>
       </p:ext>
     </p:extLst>
   </p:cSld>
@@ -5362,7 +5371,7 @@
     </p:spTree>
     <p:extLst>
       <p:ext uri="{BB962C8B-B14F-4D97-AF65-F5344CB8AC3E}">
-        <p14:creationId xmlns="" xmlns:p14="http://schemas.microsoft.com/office/powerpoint/2010/main" val="3648209612"/>
+        <p14:creationId xmlns:p14="http://schemas.microsoft.com/office/powerpoint/2010/main" val="3648209612"/>
       </p:ext>
     </p:extLst>
   </p:cSld>
@@ -5467,8 +5476,32 @@
                 </a:solidFill>
                 <a:cs typeface="Times New Roman" pitchFamily="18" charset="0"/>
               </a:rPr>
-              <a:t>Um dos fatores que, sem dúvida, atrapalharam o cronograma foi a adoção de uma linguagem de programação que ninguém do grupo tinha familiaridade. Esse é um fator </a:t>
-            </a:r>
+              <a:t>Um dos fatores que, sem dúvida, atrapalharam o cronograma foi a adoção de uma linguagem de programação que ninguém do grupo tinha familiaridade. Esse é um fator que sem dúvida poderia ser melhorado para que pudéssemos ter um cronograma mais assertivo. </a:t>
+            </a:r>
+          </a:p>
+          <a:p>
+            <a:pPr marL="342900" indent="-342900">
+              <a:spcBef>
+                <a:spcPct val="0"/>
+              </a:spcBef>
+              <a:buFont typeface="Wingdings" pitchFamily="2" charset="2"/>
+              <a:buChar char="Ø"/>
+            </a:pPr>
+            <a:endParaRPr lang="pt-BR" sz="1600" dirty="0">
+              <a:solidFill>
+                <a:srgbClr val="333399"/>
+              </a:solidFill>
+              <a:cs typeface="Times New Roman" pitchFamily="18" charset="0"/>
+            </a:endParaRPr>
+          </a:p>
+          <a:p>
+            <a:pPr marL="342900" indent="-342900">
+              <a:spcBef>
+                <a:spcPct val="0"/>
+              </a:spcBef>
+              <a:buFont typeface="Wingdings" pitchFamily="2" charset="2"/>
+              <a:buChar char="Ø"/>
+            </a:pPr>
             <a:r>
               <a:rPr lang="pt-BR" sz="1600" dirty="0" smtClean="0">
                 <a:solidFill>
@@ -5476,7 +5509,45 @@
                 </a:solidFill>
                 <a:cs typeface="Times New Roman" pitchFamily="18" charset="0"/>
               </a:rPr>
-              <a:t>que sem dúvida poderia ser melhorado para que pudéssemos ter um cronograma mais assertivo. </a:t>
+              <a:t>Durante o desenvolvimento o trabalho foi divido em pequenas partes, de forma a viabilizar uma modularização do software, e para que fosse possível os desenvolvedores trabalharem em diferentes partes ao mesmo tempo.</a:t>
+            </a:r>
+            <a:endParaRPr lang="pt-BR" sz="1600" dirty="0">
+              <a:solidFill>
+                <a:srgbClr val="333399"/>
+              </a:solidFill>
+              <a:cs typeface="Times New Roman" pitchFamily="18" charset="0"/>
+            </a:endParaRPr>
+          </a:p>
+          <a:p>
+            <a:pPr marL="342900" indent="-342900">
+              <a:spcBef>
+                <a:spcPct val="0"/>
+              </a:spcBef>
+              <a:buFont typeface="Wingdings" pitchFamily="2" charset="2"/>
+              <a:buChar char="Ø"/>
+            </a:pPr>
+            <a:endParaRPr lang="pt-BR" sz="1600" dirty="0">
+              <a:solidFill>
+                <a:srgbClr val="333399"/>
+              </a:solidFill>
+            </a:endParaRPr>
+          </a:p>
+          <a:p>
+            <a:pPr marL="342900" indent="-342900">
+              <a:spcBef>
+                <a:spcPct val="0"/>
+              </a:spcBef>
+              <a:buFont typeface="Wingdings" pitchFamily="2" charset="2"/>
+              <a:buChar char="Ø"/>
+            </a:pPr>
+            <a:r>
+              <a:rPr lang="pt-BR" sz="1600" dirty="0" smtClean="0">
+                <a:solidFill>
+                  <a:srgbClr val="333399"/>
+                </a:solidFill>
+                <a:cs typeface="Times New Roman" pitchFamily="18" charset="0"/>
+              </a:rPr>
+              <a:t>A equipe trabalhou toda em conjunto para a etapa inicial de documentação do projeto. Desde o recolhimento de requisitos até a documentação dos casos de uso e diagrama de classes e sequências. Na parte de codificação, por questões de familiaridade, 2 integrantes ficaram responsáveis pelos testes e restante da documentação, enquanto os outros 3 codificaram o projeto.</a:t>
             </a:r>
             <a:endParaRPr lang="pt-BR" sz="1600" dirty="0" smtClean="0">
               <a:solidFill>
@@ -5515,7 +5586,7 @@
                 </a:solidFill>
                 <a:cs typeface="Times New Roman" pitchFamily="18" charset="0"/>
               </a:rPr>
-              <a:t>Que atividades foram realizadas durante o processo de </a:t>
+              <a:t>Essa </a:t>
             </a:r>
             <a:r>
               <a:rPr lang="pt-BR" sz="1600" dirty="0" smtClean="0">
@@ -5524,16 +5595,46 @@
                 </a:solidFill>
                 <a:cs typeface="Times New Roman" pitchFamily="18" charset="0"/>
               </a:rPr>
-              <a:t>desenvolvimento (vale um </a:t>
-            </a:r>
-            <a:r>
-              <a:rPr lang="pt-BR" sz="1600" i="1" dirty="0" err="1" smtClean="0">
+              <a:t>organização foi definida durante o projeto e de acordo com todos o</a:t>
+            </a:r>
+            <a:endParaRPr lang="pt-BR" sz="1600" dirty="0">
+              <a:solidFill>
+                <a:srgbClr val="333399"/>
+              </a:solidFill>
+              <a:cs typeface="Times New Roman" pitchFamily="18" charset="0"/>
+            </a:endParaRPr>
+          </a:p>
+          <a:p>
+            <a:pPr marL="342900" indent="-342900">
+              <a:spcBef>
+                <a:spcPct val="0"/>
+              </a:spcBef>
+              <a:buFont typeface="Wingdings" pitchFamily="2" charset="2"/>
+              <a:buChar char="Ø"/>
+            </a:pPr>
+            <a:endParaRPr lang="pt-BR" sz="1600" dirty="0">
+              <a:solidFill>
+                <a:srgbClr val="333399"/>
+              </a:solidFill>
+              <a:cs typeface="Times New Roman" pitchFamily="18" charset="0"/>
+            </a:endParaRPr>
+          </a:p>
+          <a:p>
+            <a:pPr marL="342900" indent="-342900">
+              <a:spcBef>
+                <a:spcPct val="0"/>
+              </a:spcBef>
+              <a:buFont typeface="Wingdings" pitchFamily="2" charset="2"/>
+              <a:buChar char="Ø"/>
+            </a:pPr>
+            <a:r>
+              <a:rPr lang="pt-BR" sz="1600" dirty="0">
                 <a:solidFill>
                   <a:srgbClr val="333399"/>
                 </a:solidFill>
                 <a:cs typeface="Times New Roman" pitchFamily="18" charset="0"/>
               </a:rPr>
-              <a:t>print</a:t>
+              <a:t>O trabalho foi </a:t>
             </a:r>
             <a:r>
               <a:rPr lang="pt-BR" sz="1600" dirty="0" smtClean="0">
@@ -5542,17 +5643,77 @@
                 </a:solidFill>
                 <a:cs typeface="Times New Roman" pitchFamily="18" charset="0"/>
               </a:rPr>
-              <a:t> do </a:t>
-            </a:r>
-            <a:r>
-              <a:rPr lang="pt-BR" sz="1600" dirty="0" err="1" smtClean="0">
+              <a:t>realizado quase que integralmente realizado de forma assíncrona, salvo as discussões do projeto durante as aulas.</a:t>
+            </a:r>
+            <a:endParaRPr lang="pt-BR" sz="1600" dirty="0" smtClean="0">
+              <a:solidFill>
+                <a:srgbClr val="333399"/>
+              </a:solidFill>
+              <a:cs typeface="Times New Roman" pitchFamily="18" charset="0"/>
+            </a:endParaRPr>
+          </a:p>
+          <a:p>
+            <a:pPr marL="342900" indent="-342900">
+              <a:spcBef>
+                <a:spcPct val="0"/>
+              </a:spcBef>
+              <a:buFont typeface="Wingdings" pitchFamily="2" charset="2"/>
+              <a:buChar char="Ø"/>
+            </a:pPr>
+            <a:endParaRPr lang="pt-BR" sz="1600" dirty="0">
+              <a:solidFill>
+                <a:srgbClr val="333399"/>
+              </a:solidFill>
+              <a:cs typeface="Times New Roman" pitchFamily="18" charset="0"/>
+            </a:endParaRPr>
+          </a:p>
+          <a:p>
+            <a:pPr marL="342900" indent="-342900">
+              <a:spcBef>
+                <a:spcPct val="0"/>
+              </a:spcBef>
+              <a:buFont typeface="Wingdings" pitchFamily="2" charset="2"/>
+              <a:buChar char="Ø"/>
+            </a:pPr>
+            <a:r>
+              <a:rPr lang="pt-BR" sz="1600" dirty="0" smtClean="0">
                 <a:solidFill>
                   <a:srgbClr val="333399"/>
                 </a:solidFill>
                 <a:cs typeface="Times New Roman" pitchFamily="18" charset="0"/>
               </a:rPr>
-              <a:t>Kanban</a:t>
-            </a:r>
+              <a:t>Todos os membros deram o seu melhor para o trabalho, dentro de suas limitações técnicas e de horário.</a:t>
+            </a:r>
+            <a:endParaRPr lang="pt-BR" sz="1600" dirty="0">
+              <a:solidFill>
+                <a:srgbClr val="333399"/>
+              </a:solidFill>
+              <a:cs typeface="Times New Roman" pitchFamily="18" charset="0"/>
+            </a:endParaRPr>
+          </a:p>
+          <a:p>
+            <a:pPr marL="342900" indent="-342900">
+              <a:spcBef>
+                <a:spcPct val="0"/>
+              </a:spcBef>
+              <a:buFont typeface="Wingdings" pitchFamily="2" charset="2"/>
+              <a:buChar char="Ø"/>
+            </a:pPr>
+            <a:endParaRPr lang="pt-BR" sz="1600" dirty="0">
+              <a:solidFill>
+                <a:srgbClr val="333399"/>
+              </a:solidFill>
+              <a:cs typeface="Times New Roman" pitchFamily="18" charset="0"/>
+            </a:endParaRPr>
+          </a:p>
+          <a:p>
+            <a:pPr marL="342900" indent="-342900">
+              <a:spcBef>
+                <a:spcPct val="0"/>
+              </a:spcBef>
+              <a:buFont typeface="Wingdings" pitchFamily="2" charset="2"/>
+              <a:buChar char="Ø"/>
+            </a:pPr>
             <a:r>
               <a:rPr lang="pt-BR" sz="1600" dirty="0" smtClean="0">
                 <a:solidFill>
@@ -5560,25 +5721,7 @@
                 </a:solidFill>
                 <a:cs typeface="Times New Roman" pitchFamily="18" charset="0"/>
               </a:rPr>
-              <a:t> do </a:t>
-            </a:r>
-            <a:r>
-              <a:rPr lang="pt-BR" sz="1600" dirty="0" err="1" smtClean="0">
-                <a:solidFill>
-                  <a:srgbClr val="333399"/>
-                </a:solidFill>
-                <a:cs typeface="Times New Roman" pitchFamily="18" charset="0"/>
-              </a:rPr>
-              <a:t>Github</a:t>
-            </a:r>
-            <a:r>
-              <a:rPr lang="pt-BR" sz="1600" dirty="0" smtClean="0">
-                <a:solidFill>
-                  <a:srgbClr val="333399"/>
-                </a:solidFill>
-                <a:cs typeface="Times New Roman" pitchFamily="18" charset="0"/>
-              </a:rPr>
-              <a:t>) ?</a:t>
+              <a:t>Os modelos foram construídos em conjunto, então não foram afetados pela divisão. Mas talvez com uma distribuição mais uniforme das atividades, pudéssemos ter mais tempo.</a:t>
             </a:r>
             <a:endParaRPr lang="pt-BR" sz="1600" dirty="0">
               <a:solidFill>
@@ -5586,221 +5729,6 @@
               </a:solidFill>
               <a:cs typeface="Times New Roman" pitchFamily="18" charset="0"/>
             </a:endParaRPr>
-          </a:p>
-          <a:p>
-            <a:pPr marL="342900" indent="-342900">
-              <a:spcBef>
-                <a:spcPct val="0"/>
-              </a:spcBef>
-              <a:buFont typeface="Wingdings" pitchFamily="2" charset="2"/>
-              <a:buChar char="Ø"/>
-            </a:pPr>
-            <a:endParaRPr lang="pt-BR" sz="1600" dirty="0">
-              <a:solidFill>
-                <a:srgbClr val="333399"/>
-              </a:solidFill>
-            </a:endParaRPr>
-          </a:p>
-          <a:p>
-            <a:pPr marL="342900" indent="-342900">
-              <a:spcBef>
-                <a:spcPct val="0"/>
-              </a:spcBef>
-              <a:buFont typeface="Wingdings" pitchFamily="2" charset="2"/>
-              <a:buChar char="Ø"/>
-            </a:pPr>
-            <a:r>
-              <a:rPr lang="pt-BR" sz="1600" dirty="0">
-                <a:solidFill>
-                  <a:srgbClr val="333399"/>
-                </a:solidFill>
-                <a:cs typeface="Times New Roman" pitchFamily="18" charset="0"/>
-              </a:rPr>
-              <a:t>Como a equipe se organizou em termos da divisão dessas atividades</a:t>
-            </a:r>
-            <a:r>
-              <a:rPr lang="pt-BR" sz="1600" dirty="0" smtClean="0">
-                <a:solidFill>
-                  <a:srgbClr val="333399"/>
-                </a:solidFill>
-                <a:cs typeface="Times New Roman" pitchFamily="18" charset="0"/>
-              </a:rPr>
-              <a:t>?</a:t>
-            </a:r>
-          </a:p>
-          <a:p>
-            <a:pPr marL="342900" indent="-342900">
-              <a:spcBef>
-                <a:spcPct val="0"/>
-              </a:spcBef>
-              <a:buFont typeface="Wingdings" pitchFamily="2" charset="2"/>
-              <a:buChar char="Ø"/>
-            </a:pPr>
-            <a:endParaRPr lang="pt-BR" sz="1600" dirty="0">
-              <a:solidFill>
-                <a:srgbClr val="333399"/>
-              </a:solidFill>
-              <a:cs typeface="Times New Roman" pitchFamily="18" charset="0"/>
-            </a:endParaRPr>
-          </a:p>
-          <a:p>
-            <a:pPr marL="342900" indent="-342900">
-              <a:spcBef>
-                <a:spcPct val="0"/>
-              </a:spcBef>
-              <a:buFont typeface="Wingdings" pitchFamily="2" charset="2"/>
-              <a:buChar char="Ø"/>
-            </a:pPr>
-            <a:r>
-              <a:rPr lang="pt-BR" sz="1600" dirty="0">
-                <a:solidFill>
-                  <a:srgbClr val="333399"/>
-                </a:solidFill>
-                <a:cs typeface="Times New Roman" pitchFamily="18" charset="0"/>
-              </a:rPr>
-              <a:t>Essa organização foi planejada antecipadamente ou ocorreu conforme o andamento do desenvolvimento? </a:t>
-            </a:r>
-          </a:p>
-          <a:p>
-            <a:pPr marL="342900" indent="-342900">
-              <a:spcBef>
-                <a:spcPct val="0"/>
-              </a:spcBef>
-              <a:buFont typeface="Wingdings" pitchFamily="2" charset="2"/>
-              <a:buChar char="Ø"/>
-            </a:pPr>
-            <a:endParaRPr lang="pt-BR" sz="1600" dirty="0">
-              <a:solidFill>
-                <a:srgbClr val="333399"/>
-              </a:solidFill>
-              <a:cs typeface="Times New Roman" pitchFamily="18" charset="0"/>
-            </a:endParaRPr>
-          </a:p>
-          <a:p>
-            <a:pPr marL="342900" indent="-342900">
-              <a:spcBef>
-                <a:spcPct val="0"/>
-              </a:spcBef>
-              <a:buFont typeface="Wingdings" pitchFamily="2" charset="2"/>
-              <a:buChar char="Ø"/>
-            </a:pPr>
-            <a:r>
-              <a:rPr lang="pt-BR" sz="1600" dirty="0">
-                <a:solidFill>
-                  <a:srgbClr val="333399"/>
-                </a:solidFill>
-                <a:cs typeface="Times New Roman" pitchFamily="18" charset="0"/>
-              </a:rPr>
-              <a:t>O trabalho foi realizado, na maioria das vezes, de forma assíncrona (indivíduos trabalhando isoladamente usando meio de comunicação) ou síncrona (equipe reunida em um mesmo local</a:t>
-            </a:r>
-            <a:r>
-              <a:rPr lang="pt-BR" sz="1600" dirty="0" smtClean="0">
-                <a:solidFill>
-                  <a:srgbClr val="333399"/>
-                </a:solidFill>
-                <a:cs typeface="Times New Roman" pitchFamily="18" charset="0"/>
-              </a:rPr>
-              <a:t>)?</a:t>
-            </a:r>
-          </a:p>
-          <a:p>
-            <a:pPr marL="342900" indent="-342900">
-              <a:spcBef>
-                <a:spcPct val="0"/>
-              </a:spcBef>
-              <a:buFont typeface="Wingdings" pitchFamily="2" charset="2"/>
-              <a:buChar char="Ø"/>
-            </a:pPr>
-            <a:endParaRPr lang="pt-BR" sz="1600" dirty="0">
-              <a:solidFill>
-                <a:srgbClr val="333399"/>
-              </a:solidFill>
-              <a:cs typeface="Times New Roman" pitchFamily="18" charset="0"/>
-            </a:endParaRPr>
-          </a:p>
-          <a:p>
-            <a:pPr marL="342900" indent="-342900">
-              <a:spcBef>
-                <a:spcPct val="0"/>
-              </a:spcBef>
-              <a:buFont typeface="Wingdings" pitchFamily="2" charset="2"/>
-              <a:buChar char="Ø"/>
-            </a:pPr>
-            <a:r>
-              <a:rPr lang="pt-BR" sz="1600" dirty="0">
-                <a:solidFill>
-                  <a:srgbClr val="333399"/>
-                </a:solidFill>
-                <a:cs typeface="Times New Roman" pitchFamily="18" charset="0"/>
-              </a:rPr>
-              <a:t>Qual o esforço dedicado por cada membro da equipe ao longo do projeto?</a:t>
-            </a:r>
-          </a:p>
-          <a:p>
-            <a:pPr marL="342900" indent="-342900">
-              <a:spcBef>
-                <a:spcPct val="0"/>
-              </a:spcBef>
-              <a:buFont typeface="Wingdings" pitchFamily="2" charset="2"/>
-              <a:buChar char="Ø"/>
-            </a:pPr>
-            <a:endParaRPr lang="pt-BR" sz="1600" dirty="0">
-              <a:solidFill>
-                <a:srgbClr val="333399"/>
-              </a:solidFill>
-              <a:cs typeface="Times New Roman" pitchFamily="18" charset="0"/>
-            </a:endParaRPr>
-          </a:p>
-          <a:p>
-            <a:pPr marL="342900" indent="-342900">
-              <a:spcBef>
-                <a:spcPct val="0"/>
-              </a:spcBef>
-              <a:buFont typeface="Wingdings" pitchFamily="2" charset="2"/>
-              <a:buChar char="Ø"/>
-            </a:pPr>
-            <a:r>
-              <a:rPr lang="pt-BR" sz="1600" dirty="0">
-                <a:solidFill>
-                  <a:srgbClr val="333399"/>
-                </a:solidFill>
-                <a:cs typeface="Times New Roman" pitchFamily="18" charset="0"/>
-              </a:rPr>
-              <a:t>Que dificuldades ou facilidades essa divisão trouxe especificamente para a construção dos modelos?</a:t>
-            </a:r>
-          </a:p>
-          <a:p>
-            <a:pPr marL="342900" indent="-342900">
-              <a:spcBef>
-                <a:spcPct val="0"/>
-              </a:spcBef>
-              <a:buFont typeface="Wingdings" pitchFamily="2" charset="2"/>
-              <a:buChar char="Ø"/>
-            </a:pPr>
-            <a:endParaRPr lang="pt-BR" sz="1600" dirty="0">
-              <a:solidFill>
-                <a:srgbClr val="333399"/>
-              </a:solidFill>
-              <a:cs typeface="Times New Roman" pitchFamily="18" charset="0"/>
-            </a:endParaRPr>
-          </a:p>
-          <a:p>
-            <a:pPr marL="342900" indent="-342900">
-              <a:spcBef>
-                <a:spcPct val="0"/>
-              </a:spcBef>
-              <a:buFont typeface="Wingdings" pitchFamily="2" charset="2"/>
-              <a:buChar char="Ø"/>
-            </a:pPr>
-            <a:r>
-              <a:rPr lang="pt-BR" sz="1600" dirty="0">
-                <a:solidFill>
-                  <a:srgbClr val="333399"/>
-                </a:solidFill>
-                <a:cs typeface="Times New Roman" pitchFamily="18" charset="0"/>
-              </a:rPr>
-              <a:t>A divisão das atividades se mostrou efetiva ou seria feita de uma forma diferente hoje?</a:t>
-            </a:r>
           </a:p>
           <a:p>
             <a:pPr marL="342900" indent="-342900">
